--- a/pptx/flyer-letter-portrait-duplex.pptx
+++ b/pptx/flyer-letter-portrait-duplex.pptx
@@ -194,7 +194,7 @@
             <a:fld id="{232C0B16-DDAA-4853-B3F8-67F4854F2122}" type="datetimeFigureOut">
               <a:rPr lang="en-US" smtClean="0"/>
               <a:pPr/>
-              <a:t>3/17/2023</a:t>
+              <a:t>3/18/2023</a:t>
             </a:fld>
             <a:endParaRPr lang="en-US"/>
           </a:p>
@@ -806,7 +806,7 @@
             <a:fld id="{FFAEE2A6-3326-4110-86FD-7999FAF84882}" type="datetimeFigureOut">
               <a:rPr lang="en-US" smtClean="0"/>
               <a:pPr/>
-              <a:t>3/17/2023</a:t>
+              <a:t>3/18/2023</a:t>
             </a:fld>
             <a:endParaRPr lang="en-US"/>
           </a:p>
@@ -973,7 +973,7 @@
             <a:fld id="{FFAEE2A6-3326-4110-86FD-7999FAF84882}" type="datetimeFigureOut">
               <a:rPr lang="en-US" smtClean="0"/>
               <a:pPr/>
-              <a:t>3/17/2023</a:t>
+              <a:t>3/18/2023</a:t>
             </a:fld>
             <a:endParaRPr lang="en-US"/>
           </a:p>
@@ -1150,7 +1150,7 @@
             <a:fld id="{FFAEE2A6-3326-4110-86FD-7999FAF84882}" type="datetimeFigureOut">
               <a:rPr lang="en-US" smtClean="0"/>
               <a:pPr/>
-              <a:t>3/17/2023</a:t>
+              <a:t>3/18/2023</a:t>
             </a:fld>
             <a:endParaRPr lang="en-US"/>
           </a:p>
@@ -1317,7 +1317,7 @@
             <a:fld id="{FFAEE2A6-3326-4110-86FD-7999FAF84882}" type="datetimeFigureOut">
               <a:rPr lang="en-US" smtClean="0"/>
               <a:pPr/>
-              <a:t>3/17/2023</a:t>
+              <a:t>3/18/2023</a:t>
             </a:fld>
             <a:endParaRPr lang="en-US"/>
           </a:p>
@@ -1560,7 +1560,7 @@
             <a:fld id="{FFAEE2A6-3326-4110-86FD-7999FAF84882}" type="datetimeFigureOut">
               <a:rPr lang="en-US" smtClean="0"/>
               <a:pPr/>
-              <a:t>3/17/2023</a:t>
+              <a:t>3/18/2023</a:t>
             </a:fld>
             <a:endParaRPr lang="en-US"/>
           </a:p>
@@ -1845,7 +1845,7 @@
             <a:fld id="{FFAEE2A6-3326-4110-86FD-7999FAF84882}" type="datetimeFigureOut">
               <a:rPr lang="en-US" smtClean="0"/>
               <a:pPr/>
-              <a:t>3/17/2023</a:t>
+              <a:t>3/18/2023</a:t>
             </a:fld>
             <a:endParaRPr lang="en-US"/>
           </a:p>
@@ -2264,7 +2264,7 @@
             <a:fld id="{FFAEE2A6-3326-4110-86FD-7999FAF84882}" type="datetimeFigureOut">
               <a:rPr lang="en-US" smtClean="0"/>
               <a:pPr/>
-              <a:t>3/17/2023</a:t>
+              <a:t>3/18/2023</a:t>
             </a:fld>
             <a:endParaRPr lang="en-US"/>
           </a:p>
@@ -2379,7 +2379,7 @@
             <a:fld id="{FFAEE2A6-3326-4110-86FD-7999FAF84882}" type="datetimeFigureOut">
               <a:rPr lang="en-US" smtClean="0"/>
               <a:pPr/>
-              <a:t>3/17/2023</a:t>
+              <a:t>3/18/2023</a:t>
             </a:fld>
             <a:endParaRPr lang="en-US"/>
           </a:p>
@@ -2471,7 +2471,7 @@
             <a:fld id="{FFAEE2A6-3326-4110-86FD-7999FAF84882}" type="datetimeFigureOut">
               <a:rPr lang="en-US" smtClean="0"/>
               <a:pPr/>
-              <a:t>3/17/2023</a:t>
+              <a:t>3/18/2023</a:t>
             </a:fld>
             <a:endParaRPr lang="en-US"/>
           </a:p>
@@ -2745,7 +2745,7 @@
             <a:fld id="{FFAEE2A6-3326-4110-86FD-7999FAF84882}" type="datetimeFigureOut">
               <a:rPr lang="en-US" smtClean="0"/>
               <a:pPr/>
-              <a:t>3/17/2023</a:t>
+              <a:t>3/18/2023</a:t>
             </a:fld>
             <a:endParaRPr lang="en-US"/>
           </a:p>
@@ -2995,7 +2995,7 @@
             <a:fld id="{FFAEE2A6-3326-4110-86FD-7999FAF84882}" type="datetimeFigureOut">
               <a:rPr lang="en-US" smtClean="0"/>
               <a:pPr/>
-              <a:t>3/17/2023</a:t>
+              <a:t>3/18/2023</a:t>
             </a:fld>
             <a:endParaRPr lang="en-US"/>
           </a:p>
@@ -3205,7 +3205,7 @@
             <a:fld id="{FFAEE2A6-3326-4110-86FD-7999FAF84882}" type="datetimeFigureOut">
               <a:rPr lang="en-US" smtClean="0"/>
               <a:pPr/>
-              <a:t>3/17/2023</a:t>
+              <a:t>3/18/2023</a:t>
             </a:fld>
             <a:endParaRPr lang="en-US"/>
           </a:p>
@@ -3695,22 +3695,7 @@
                     <a:latin typeface="Calibri Light" pitchFamily="34" charset="0"/>
                     <a:cs typeface="Calibri Light" pitchFamily="34" charset="0"/>
                   </a:rPr>
-                  <a:t>${tab_10_heading</a:t>
-                </a:r>
-                <a:r>
-                  <a:rPr lang="pl-PL" sz="1000" dirty="0" smtClean="0">
-                    <a:uFill>
-                      <a:solidFill>
-                        <a:schemeClr val="tx1">
-                          <a:lumMod val="50000"/>
-                          <a:lumOff val="50000"/>
-                        </a:schemeClr>
-                      </a:solidFill>
-                    </a:uFill>
-                    <a:latin typeface="Calibri Light" pitchFamily="34" charset="0"/>
-                    <a:cs typeface="Calibri Light" pitchFamily="34" charset="0"/>
-                  </a:rPr>
-                  <a:t>}</a:t>
+                  <a:t>${tab_10_heading}</a:t>
                 </a:r>
                 <a:endParaRPr lang="pl-PL" sz="1000" dirty="0" smtClean="0">
                   <a:uFill>
@@ -3766,22 +3751,7 @@
                     <a:latin typeface="Calibri Light" pitchFamily="34" charset="0"/>
                     <a:cs typeface="Calibri Light" pitchFamily="34" charset="0"/>
                   </a:rPr>
-                  <a:t>${tab_9_heading</a:t>
-                </a:r>
-                <a:r>
-                  <a:rPr lang="pl-PL" sz="1000" dirty="0" smtClean="0">
-                    <a:uFill>
-                      <a:solidFill>
-                        <a:schemeClr val="tx1">
-                          <a:lumMod val="50000"/>
-                          <a:lumOff val="50000"/>
-                        </a:schemeClr>
-                      </a:solidFill>
-                    </a:uFill>
-                    <a:latin typeface="Calibri Light" pitchFamily="34" charset="0"/>
-                    <a:cs typeface="Calibri Light" pitchFamily="34" charset="0"/>
-                  </a:rPr>
-                  <a:t>}</a:t>
+                  <a:t>${tab_9_heading}</a:t>
                 </a:r>
                 <a:endParaRPr lang="pl-PL" sz="1000" dirty="0" smtClean="0">
                   <a:uFill>
@@ -3837,22 +3807,7 @@
                     <a:latin typeface="Calibri Light" pitchFamily="34" charset="0"/>
                     <a:cs typeface="Calibri Light" pitchFamily="34" charset="0"/>
                   </a:rPr>
-                  <a:t>${tab_8_heading</a:t>
-                </a:r>
-                <a:r>
-                  <a:rPr lang="pl-PL" sz="1000" dirty="0" smtClean="0">
-                    <a:uFill>
-                      <a:solidFill>
-                        <a:schemeClr val="tx1">
-                          <a:lumMod val="50000"/>
-                          <a:lumOff val="50000"/>
-                        </a:schemeClr>
-                      </a:solidFill>
-                    </a:uFill>
-                    <a:latin typeface="Calibri Light" pitchFamily="34" charset="0"/>
-                    <a:cs typeface="Calibri Light" pitchFamily="34" charset="0"/>
-                  </a:rPr>
-                  <a:t>}</a:t>
+                  <a:t>${tab_8_heading}</a:t>
                 </a:r>
                 <a:endParaRPr lang="pl-PL" sz="1000" dirty="0" smtClean="0">
                   <a:uFill>
@@ -3908,22 +3863,7 @@
                     <a:latin typeface="Calibri Light" pitchFamily="34" charset="0"/>
                     <a:cs typeface="Calibri Light" pitchFamily="34" charset="0"/>
                   </a:rPr>
-                  <a:t>${tab_7_heading</a:t>
-                </a:r>
-                <a:r>
-                  <a:rPr lang="pl-PL" sz="1000" dirty="0" smtClean="0">
-                    <a:uFill>
-                      <a:solidFill>
-                        <a:schemeClr val="tx1">
-                          <a:lumMod val="50000"/>
-                          <a:lumOff val="50000"/>
-                        </a:schemeClr>
-                      </a:solidFill>
-                    </a:uFill>
-                    <a:latin typeface="Calibri Light" pitchFamily="34" charset="0"/>
-                    <a:cs typeface="Calibri Light" pitchFamily="34" charset="0"/>
-                  </a:rPr>
-                  <a:t>}</a:t>
+                  <a:t>${tab_7_heading}</a:t>
                 </a:r>
                 <a:endParaRPr lang="pl-PL" sz="1000" dirty="0" smtClean="0">
                   <a:uFill>
@@ -3979,22 +3919,7 @@
                     <a:latin typeface="Calibri Light" pitchFamily="34" charset="0"/>
                     <a:cs typeface="Calibri Light" pitchFamily="34" charset="0"/>
                   </a:rPr>
-                  <a:t>${tab_6_heading</a:t>
-                </a:r>
-                <a:r>
-                  <a:rPr lang="pl-PL" sz="1000" dirty="0" smtClean="0">
-                    <a:uFill>
-                      <a:solidFill>
-                        <a:schemeClr val="tx1">
-                          <a:lumMod val="50000"/>
-                          <a:lumOff val="50000"/>
-                        </a:schemeClr>
-                      </a:solidFill>
-                    </a:uFill>
-                    <a:latin typeface="Calibri Light" pitchFamily="34" charset="0"/>
-                    <a:cs typeface="Calibri Light" pitchFamily="34" charset="0"/>
-                  </a:rPr>
-                  <a:t>}</a:t>
+                  <a:t>${tab_6_heading}</a:t>
                 </a:r>
                 <a:endParaRPr lang="pl-PL" sz="1000" dirty="0" smtClean="0">
                   <a:uFill>
@@ -4050,22 +3975,7 @@
                     <a:latin typeface="Calibri Light" pitchFamily="34" charset="0"/>
                     <a:cs typeface="Calibri Light" pitchFamily="34" charset="0"/>
                   </a:rPr>
-                  <a:t>${tab_5_heading</a:t>
-                </a:r>
-                <a:r>
-                  <a:rPr lang="pl-PL" sz="1000" dirty="0" smtClean="0">
-                    <a:uFill>
-                      <a:solidFill>
-                        <a:schemeClr val="tx1">
-                          <a:lumMod val="50000"/>
-                          <a:lumOff val="50000"/>
-                        </a:schemeClr>
-                      </a:solidFill>
-                    </a:uFill>
-                    <a:latin typeface="Calibri Light" pitchFamily="34" charset="0"/>
-                    <a:cs typeface="Calibri Light" pitchFamily="34" charset="0"/>
-                  </a:rPr>
-                  <a:t>}</a:t>
+                  <a:t>${tab_5_heading}</a:t>
                 </a:r>
                 <a:endParaRPr lang="pl-PL" sz="1000" dirty="0" smtClean="0">
                   <a:uFill>
@@ -4121,22 +4031,7 @@
                     <a:latin typeface="Calibri Light" pitchFamily="34" charset="0"/>
                     <a:cs typeface="Calibri Light" pitchFamily="34" charset="0"/>
                   </a:rPr>
-                  <a:t>${tab_4_heading</a:t>
-                </a:r>
-                <a:r>
-                  <a:rPr lang="pl-PL" sz="1000" dirty="0" smtClean="0">
-                    <a:uFill>
-                      <a:solidFill>
-                        <a:schemeClr val="tx1">
-                          <a:lumMod val="50000"/>
-                          <a:lumOff val="50000"/>
-                        </a:schemeClr>
-                      </a:solidFill>
-                    </a:uFill>
-                    <a:latin typeface="Calibri Light" pitchFamily="34" charset="0"/>
-                    <a:cs typeface="Calibri Light" pitchFamily="34" charset="0"/>
-                  </a:rPr>
-                  <a:t>}</a:t>
+                  <a:t>${tab_4_heading}</a:t>
                 </a:r>
                 <a:endParaRPr lang="pl-PL" sz="1000" dirty="0" smtClean="0">
                   <a:uFill>
@@ -4192,22 +4087,7 @@
                     <a:latin typeface="Calibri Light" pitchFamily="34" charset="0"/>
                     <a:cs typeface="Calibri Light" pitchFamily="34" charset="0"/>
                   </a:rPr>
-                  <a:t>${tab_3_heading</a:t>
-                </a:r>
-                <a:r>
-                  <a:rPr lang="pl-PL" sz="1000" dirty="0" smtClean="0">
-                    <a:uFill>
-                      <a:solidFill>
-                        <a:schemeClr val="tx1">
-                          <a:lumMod val="50000"/>
-                          <a:lumOff val="50000"/>
-                        </a:schemeClr>
-                      </a:solidFill>
-                    </a:uFill>
-                    <a:latin typeface="Calibri Light" pitchFamily="34" charset="0"/>
-                    <a:cs typeface="Calibri Light" pitchFamily="34" charset="0"/>
-                  </a:rPr>
-                  <a:t>}</a:t>
+                  <a:t>${tab_3_heading}</a:t>
                 </a:r>
                 <a:endParaRPr lang="pl-PL" sz="1000" dirty="0" smtClean="0">
                   <a:uFill>
@@ -4263,22 +4143,7 @@
                     <a:latin typeface="Calibri Light" pitchFamily="34" charset="0"/>
                     <a:cs typeface="Calibri Light" pitchFamily="34" charset="0"/>
                   </a:rPr>
-                  <a:t>${tab_2_heading</a:t>
-                </a:r>
-                <a:r>
-                  <a:rPr lang="pl-PL" sz="1000" dirty="0" smtClean="0">
-                    <a:uFill>
-                      <a:solidFill>
-                        <a:schemeClr val="tx1">
-                          <a:lumMod val="50000"/>
-                          <a:lumOff val="50000"/>
-                        </a:schemeClr>
-                      </a:solidFill>
-                    </a:uFill>
-                    <a:latin typeface="Calibri Light" pitchFamily="34" charset="0"/>
-                    <a:cs typeface="Calibri Light" pitchFamily="34" charset="0"/>
-                  </a:rPr>
-                  <a:t>}</a:t>
+                  <a:t>${tab_2_heading}</a:t>
                 </a:r>
                 <a:endParaRPr lang="pl-PL" sz="1000" dirty="0" smtClean="0">
                   <a:uFill>
@@ -4322,7 +4187,7 @@
               <a:lstStyle/>
               <a:p>
                 <a:r>
-                  <a:rPr lang="pl-PL" sz="1000" dirty="0" smtClean="0">
+                  <a:rPr lang="pl-PL" sz="1000" smtClean="0">
                     <a:uFill>
                       <a:solidFill>
                         <a:schemeClr val="tx1">
@@ -4334,22 +4199,7 @@
                     <a:latin typeface="Calibri Light" pitchFamily="34" charset="0"/>
                     <a:cs typeface="Calibri Light" pitchFamily="34" charset="0"/>
                   </a:rPr>
-                  <a:t>${tab_1_heading</a:t>
-                </a:r>
-                <a:r>
-                  <a:rPr lang="pl-PL" sz="1000" dirty="0" smtClean="0">
-                    <a:uFill>
-                      <a:solidFill>
-                        <a:schemeClr val="tx1">
-                          <a:lumMod val="50000"/>
-                          <a:lumOff val="50000"/>
-                        </a:schemeClr>
-                      </a:solidFill>
-                    </a:uFill>
-                    <a:latin typeface="Calibri Light" pitchFamily="34" charset="0"/>
-                    <a:cs typeface="Calibri Light" pitchFamily="34" charset="0"/>
-                  </a:rPr>
-                  <a:t>}</a:t>
+                  <a:t>${tab_1_heading}</a:t>
                 </a:r>
                 <a:endParaRPr lang="pl-PL" sz="1000" dirty="0" smtClean="0">
                   <a:uFill>
@@ -4892,14 +4742,7 @@
                     <a:latin typeface="Calibri Light" pitchFamily="34" charset="0"/>
                     <a:cs typeface="Calibri Light" pitchFamily="34" charset="0"/>
                   </a:rPr>
-                  <a:t>${tab_1_line_1</a:t>
-                </a:r>
-                <a:r>
-                  <a:rPr lang="pl-PL" sz="1000" dirty="0" smtClean="0">
-                    <a:latin typeface="Calibri Light" pitchFamily="34" charset="0"/>
-                    <a:cs typeface="Calibri Light" pitchFamily="34" charset="0"/>
-                  </a:rPr>
-                  <a:t>}</a:t>
+                  <a:t>${tab_1_line_1}</a:t>
                 </a:r>
               </a:p>
               <a:p>
@@ -4908,21 +4751,7 @@
                     <a:latin typeface="Calibri Light" pitchFamily="34" charset="0"/>
                     <a:cs typeface="Calibri Light" pitchFamily="34" charset="0"/>
                   </a:rPr>
-                  <a:t>${</a:t>
-                </a:r>
-                <a:r>
-                  <a:rPr lang="pl-PL" sz="1000" dirty="0" smtClean="0">
-                    <a:latin typeface="Calibri Light" pitchFamily="34" charset="0"/>
-                    <a:cs typeface="Calibri Light" pitchFamily="34" charset="0"/>
-                  </a:rPr>
-                  <a:t>tab_1_line_2</a:t>
-                </a:r>
-                <a:r>
-                  <a:rPr lang="pl-PL" sz="1000" dirty="0" smtClean="0">
-                    <a:latin typeface="Calibri Light" pitchFamily="34" charset="0"/>
-                    <a:cs typeface="Calibri Light" pitchFamily="34" charset="0"/>
-                  </a:rPr>
-                  <a:t>}</a:t>
+                  <a:t>${tab_1_line_2}</a:t>
                 </a:r>
                 <a:endParaRPr lang="en-US" sz="1000" dirty="0">
                   <a:latin typeface="Calibri Light" pitchFamily="34" charset="0"/>
@@ -4935,21 +4764,7 @@
                     <a:latin typeface="Calibri Light" pitchFamily="34" charset="0"/>
                     <a:cs typeface="Calibri Light" pitchFamily="34" charset="0"/>
                   </a:rPr>
-                  <a:t>${</a:t>
-                </a:r>
-                <a:r>
-                  <a:rPr lang="pl-PL" sz="1000" dirty="0" smtClean="0">
-                    <a:latin typeface="Calibri Light" pitchFamily="34" charset="0"/>
-                    <a:cs typeface="Calibri Light" pitchFamily="34" charset="0"/>
-                  </a:rPr>
-                  <a:t>tab_1_line_3</a:t>
-                </a:r>
-                <a:r>
-                  <a:rPr lang="pl-PL" sz="1000" dirty="0" smtClean="0">
-                    <a:latin typeface="Calibri Light" pitchFamily="34" charset="0"/>
-                    <a:cs typeface="Calibri Light" pitchFamily="34" charset="0"/>
-                  </a:rPr>
-                  <a:t>}</a:t>
+                  <a:t>${tab_1_line_3}</a:t>
                 </a:r>
                 <a:endParaRPr lang="pl-PL" sz="1000" dirty="0">
                   <a:latin typeface="Calibri Light" pitchFamily="34" charset="0"/>
@@ -4989,14 +4804,7 @@
                     <a:latin typeface="Calibri Light" pitchFamily="34" charset="0"/>
                     <a:cs typeface="Calibri Light" pitchFamily="34" charset="0"/>
                   </a:rPr>
-                  <a:t>${tab_2_line_1</a:t>
-                </a:r>
-                <a:r>
-                  <a:rPr lang="pl-PL" sz="1000" dirty="0" smtClean="0">
-                    <a:latin typeface="Calibri Light" pitchFamily="34" charset="0"/>
-                    <a:cs typeface="Calibri Light" pitchFamily="34" charset="0"/>
-                  </a:rPr>
-                  <a:t>}</a:t>
+                  <a:t>${tab_2_line_1}</a:t>
                 </a:r>
               </a:p>
               <a:p>
@@ -5005,21 +4813,7 @@
                     <a:latin typeface="Calibri Light" pitchFamily="34" charset="0"/>
                     <a:cs typeface="Calibri Light" pitchFamily="34" charset="0"/>
                   </a:rPr>
-                  <a:t>${</a:t>
-                </a:r>
-                <a:r>
-                  <a:rPr lang="pl-PL" sz="1000" dirty="0" smtClean="0">
-                    <a:latin typeface="Calibri Light" pitchFamily="34" charset="0"/>
-                    <a:cs typeface="Calibri Light" pitchFamily="34" charset="0"/>
-                  </a:rPr>
-                  <a:t>tab_2_line_2</a:t>
-                </a:r>
-                <a:r>
-                  <a:rPr lang="pl-PL" sz="1000" dirty="0" smtClean="0">
-                    <a:latin typeface="Calibri Light" pitchFamily="34" charset="0"/>
-                    <a:cs typeface="Calibri Light" pitchFamily="34" charset="0"/>
-                  </a:rPr>
-                  <a:t>}</a:t>
+                  <a:t>${tab_2_line_2}</a:t>
                 </a:r>
                 <a:endParaRPr lang="en-US" sz="1000" dirty="0">
                   <a:latin typeface="Calibri Light" pitchFamily="34" charset="0"/>
@@ -5032,21 +4826,7 @@
                     <a:latin typeface="Calibri Light" pitchFamily="34" charset="0"/>
                     <a:cs typeface="Calibri Light" pitchFamily="34" charset="0"/>
                   </a:rPr>
-                  <a:t>${</a:t>
-                </a:r>
-                <a:r>
-                  <a:rPr lang="pl-PL" sz="1000" dirty="0" smtClean="0">
-                    <a:latin typeface="Calibri Light" pitchFamily="34" charset="0"/>
-                    <a:cs typeface="Calibri Light" pitchFamily="34" charset="0"/>
-                  </a:rPr>
-                  <a:t>tab_2_line_3</a:t>
-                </a:r>
-                <a:r>
-                  <a:rPr lang="pl-PL" sz="1000" dirty="0" smtClean="0">
-                    <a:latin typeface="Calibri Light" pitchFamily="34" charset="0"/>
-                    <a:cs typeface="Calibri Light" pitchFamily="34" charset="0"/>
-                  </a:rPr>
-                  <a:t>}</a:t>
+                  <a:t>${tab_2_line_3}</a:t>
                 </a:r>
                 <a:endParaRPr lang="pl-PL" sz="1000" dirty="0">
                   <a:latin typeface="Calibri Light" pitchFamily="34" charset="0"/>
@@ -5086,14 +4866,7 @@
                     <a:latin typeface="Calibri Light" pitchFamily="34" charset="0"/>
                     <a:cs typeface="Calibri Light" pitchFamily="34" charset="0"/>
                   </a:rPr>
-                  <a:t>${tab_3_line_1</a:t>
-                </a:r>
-                <a:r>
-                  <a:rPr lang="pl-PL" sz="1000" dirty="0" smtClean="0">
-                    <a:latin typeface="Calibri Light" pitchFamily="34" charset="0"/>
-                    <a:cs typeface="Calibri Light" pitchFamily="34" charset="0"/>
-                  </a:rPr>
-                  <a:t>}</a:t>
+                  <a:t>${tab_3_line_1}</a:t>
                 </a:r>
               </a:p>
               <a:p>
@@ -5102,21 +4875,7 @@
                     <a:latin typeface="Calibri Light" pitchFamily="34" charset="0"/>
                     <a:cs typeface="Calibri Light" pitchFamily="34" charset="0"/>
                   </a:rPr>
-                  <a:t>${</a:t>
-                </a:r>
-                <a:r>
-                  <a:rPr lang="pl-PL" sz="1000" dirty="0" smtClean="0">
-                    <a:latin typeface="Calibri Light" pitchFamily="34" charset="0"/>
-                    <a:cs typeface="Calibri Light" pitchFamily="34" charset="0"/>
-                  </a:rPr>
-                  <a:t>tab_3_line_2</a:t>
-                </a:r>
-                <a:r>
-                  <a:rPr lang="pl-PL" sz="1000" dirty="0" smtClean="0">
-                    <a:latin typeface="Calibri Light" pitchFamily="34" charset="0"/>
-                    <a:cs typeface="Calibri Light" pitchFamily="34" charset="0"/>
-                  </a:rPr>
-                  <a:t>}</a:t>
+                  <a:t>${tab_3_line_2}</a:t>
                 </a:r>
                 <a:endParaRPr lang="en-US" sz="1000" dirty="0">
                   <a:latin typeface="Calibri Light" pitchFamily="34" charset="0"/>
@@ -5129,21 +4888,7 @@
                     <a:latin typeface="Calibri Light" pitchFamily="34" charset="0"/>
                     <a:cs typeface="Calibri Light" pitchFamily="34" charset="0"/>
                   </a:rPr>
-                  <a:t>${</a:t>
-                </a:r>
-                <a:r>
-                  <a:rPr lang="pl-PL" sz="1000" dirty="0" smtClean="0">
-                    <a:latin typeface="Calibri Light" pitchFamily="34" charset="0"/>
-                    <a:cs typeface="Calibri Light" pitchFamily="34" charset="0"/>
-                  </a:rPr>
-                  <a:t>tab_3_line_3</a:t>
-                </a:r>
-                <a:r>
-                  <a:rPr lang="pl-PL" sz="1000" dirty="0" smtClean="0">
-                    <a:latin typeface="Calibri Light" pitchFamily="34" charset="0"/>
-                    <a:cs typeface="Calibri Light" pitchFamily="34" charset="0"/>
-                  </a:rPr>
-                  <a:t>}</a:t>
+                  <a:t>${tab_3_line_3}</a:t>
                 </a:r>
                 <a:endParaRPr lang="pl-PL" sz="1000" dirty="0">
                   <a:latin typeface="Calibri Light" pitchFamily="34" charset="0"/>
@@ -5183,14 +4928,7 @@
                     <a:latin typeface="Calibri Light" pitchFamily="34" charset="0"/>
                     <a:cs typeface="Calibri Light" pitchFamily="34" charset="0"/>
                   </a:rPr>
-                  <a:t>${tab_4_line_1</a:t>
-                </a:r>
-                <a:r>
-                  <a:rPr lang="pl-PL" sz="1000" dirty="0" smtClean="0">
-                    <a:latin typeface="Calibri Light" pitchFamily="34" charset="0"/>
-                    <a:cs typeface="Calibri Light" pitchFamily="34" charset="0"/>
-                  </a:rPr>
-                  <a:t>}</a:t>
+                  <a:t>${tab_4_line_1}</a:t>
                 </a:r>
               </a:p>
               <a:p>
@@ -5199,21 +4937,7 @@
                     <a:latin typeface="Calibri Light" pitchFamily="34" charset="0"/>
                     <a:cs typeface="Calibri Light" pitchFamily="34" charset="0"/>
                   </a:rPr>
-                  <a:t>${</a:t>
-                </a:r>
-                <a:r>
-                  <a:rPr lang="pl-PL" sz="1000" dirty="0" smtClean="0">
-                    <a:latin typeface="Calibri Light" pitchFamily="34" charset="0"/>
-                    <a:cs typeface="Calibri Light" pitchFamily="34" charset="0"/>
-                  </a:rPr>
-                  <a:t>tab_4_line_2</a:t>
-                </a:r>
-                <a:r>
-                  <a:rPr lang="pl-PL" sz="1000" dirty="0" smtClean="0">
-                    <a:latin typeface="Calibri Light" pitchFamily="34" charset="0"/>
-                    <a:cs typeface="Calibri Light" pitchFamily="34" charset="0"/>
-                  </a:rPr>
-                  <a:t>}</a:t>
+                  <a:t>${tab_4_line_2}</a:t>
                 </a:r>
                 <a:endParaRPr lang="en-US" sz="1000" dirty="0">
                   <a:latin typeface="Calibri Light" pitchFamily="34" charset="0"/>
@@ -5226,21 +4950,7 @@
                     <a:latin typeface="Calibri Light" pitchFamily="34" charset="0"/>
                     <a:cs typeface="Calibri Light" pitchFamily="34" charset="0"/>
                   </a:rPr>
-                  <a:t>${</a:t>
-                </a:r>
-                <a:r>
-                  <a:rPr lang="pl-PL" sz="1000" dirty="0" smtClean="0">
-                    <a:latin typeface="Calibri Light" pitchFamily="34" charset="0"/>
-                    <a:cs typeface="Calibri Light" pitchFamily="34" charset="0"/>
-                  </a:rPr>
-                  <a:t>tab_4_line_3</a:t>
-                </a:r>
-                <a:r>
-                  <a:rPr lang="pl-PL" sz="1000" dirty="0" smtClean="0">
-                    <a:latin typeface="Calibri Light" pitchFamily="34" charset="0"/>
-                    <a:cs typeface="Calibri Light" pitchFamily="34" charset="0"/>
-                  </a:rPr>
-                  <a:t>}</a:t>
+                  <a:t>${tab_4_line_3}</a:t>
                 </a:r>
                 <a:endParaRPr lang="pl-PL" sz="1000" dirty="0">
                   <a:latin typeface="Calibri Light" pitchFamily="34" charset="0"/>
@@ -5280,14 +4990,7 @@
                     <a:latin typeface="Calibri Light" pitchFamily="34" charset="0"/>
                     <a:cs typeface="Calibri Light" pitchFamily="34" charset="0"/>
                   </a:rPr>
-                  <a:t>${tab_5_line_1</a:t>
-                </a:r>
-                <a:r>
-                  <a:rPr lang="pl-PL" sz="1000" dirty="0" smtClean="0">
-                    <a:latin typeface="Calibri Light" pitchFamily="34" charset="0"/>
-                    <a:cs typeface="Calibri Light" pitchFamily="34" charset="0"/>
-                  </a:rPr>
-                  <a:t>}</a:t>
+                  <a:t>${tab_5_line_1}</a:t>
                 </a:r>
               </a:p>
               <a:p>
@@ -5296,21 +4999,7 @@
                     <a:latin typeface="Calibri Light" pitchFamily="34" charset="0"/>
                     <a:cs typeface="Calibri Light" pitchFamily="34" charset="0"/>
                   </a:rPr>
-                  <a:t>${</a:t>
-                </a:r>
-                <a:r>
-                  <a:rPr lang="pl-PL" sz="1000" dirty="0" smtClean="0">
-                    <a:latin typeface="Calibri Light" pitchFamily="34" charset="0"/>
-                    <a:cs typeface="Calibri Light" pitchFamily="34" charset="0"/>
-                  </a:rPr>
-                  <a:t>tab_5_line_2</a:t>
-                </a:r>
-                <a:r>
-                  <a:rPr lang="pl-PL" sz="1000" dirty="0" smtClean="0">
-                    <a:latin typeface="Calibri Light" pitchFamily="34" charset="0"/>
-                    <a:cs typeface="Calibri Light" pitchFamily="34" charset="0"/>
-                  </a:rPr>
-                  <a:t>}</a:t>
+                  <a:t>${tab_5_line_2}</a:t>
                 </a:r>
                 <a:endParaRPr lang="en-US" sz="1000" dirty="0">
                   <a:latin typeface="Calibri Light" pitchFamily="34" charset="0"/>
@@ -5323,21 +5012,7 @@
                     <a:latin typeface="Calibri Light" pitchFamily="34" charset="0"/>
                     <a:cs typeface="Calibri Light" pitchFamily="34" charset="0"/>
                   </a:rPr>
-                  <a:t>${</a:t>
-                </a:r>
-                <a:r>
-                  <a:rPr lang="pl-PL" sz="1000" dirty="0" smtClean="0">
-                    <a:latin typeface="Calibri Light" pitchFamily="34" charset="0"/>
-                    <a:cs typeface="Calibri Light" pitchFamily="34" charset="0"/>
-                  </a:rPr>
-                  <a:t>tab_5_line_3</a:t>
-                </a:r>
-                <a:r>
-                  <a:rPr lang="pl-PL" sz="1000" dirty="0" smtClean="0">
-                    <a:latin typeface="Calibri Light" pitchFamily="34" charset="0"/>
-                    <a:cs typeface="Calibri Light" pitchFamily="34" charset="0"/>
-                  </a:rPr>
-                  <a:t>}</a:t>
+                  <a:t>${tab_5_line_3}</a:t>
                 </a:r>
                 <a:endParaRPr lang="pl-PL" sz="1000" dirty="0">
                   <a:latin typeface="Calibri Light" pitchFamily="34" charset="0"/>
@@ -5377,14 +5052,7 @@
                     <a:latin typeface="Calibri Light" pitchFamily="34" charset="0"/>
                     <a:cs typeface="Calibri Light" pitchFamily="34" charset="0"/>
                   </a:rPr>
-                  <a:t>${tab_6_line_1</a:t>
-                </a:r>
-                <a:r>
-                  <a:rPr lang="pl-PL" sz="1000" dirty="0" smtClean="0">
-                    <a:latin typeface="Calibri Light" pitchFamily="34" charset="0"/>
-                    <a:cs typeface="Calibri Light" pitchFamily="34" charset="0"/>
-                  </a:rPr>
-                  <a:t>}</a:t>
+                  <a:t>${tab_6_line_1}</a:t>
                 </a:r>
               </a:p>
               <a:p>
@@ -5393,21 +5061,7 @@
                     <a:latin typeface="Calibri Light" pitchFamily="34" charset="0"/>
                     <a:cs typeface="Calibri Light" pitchFamily="34" charset="0"/>
                   </a:rPr>
-                  <a:t>${</a:t>
-                </a:r>
-                <a:r>
-                  <a:rPr lang="pl-PL" sz="1000" dirty="0" smtClean="0">
-                    <a:latin typeface="Calibri Light" pitchFamily="34" charset="0"/>
-                    <a:cs typeface="Calibri Light" pitchFamily="34" charset="0"/>
-                  </a:rPr>
-                  <a:t>tab_6_line_2</a:t>
-                </a:r>
-                <a:r>
-                  <a:rPr lang="pl-PL" sz="1000" dirty="0" smtClean="0">
-                    <a:latin typeface="Calibri Light" pitchFamily="34" charset="0"/>
-                    <a:cs typeface="Calibri Light" pitchFamily="34" charset="0"/>
-                  </a:rPr>
-                  <a:t>}</a:t>
+                  <a:t>${tab_6_line_2}</a:t>
                 </a:r>
                 <a:endParaRPr lang="en-US" sz="1000" dirty="0">
                   <a:latin typeface="Calibri Light" pitchFamily="34" charset="0"/>
@@ -5420,21 +5074,7 @@
                     <a:latin typeface="Calibri Light" pitchFamily="34" charset="0"/>
                     <a:cs typeface="Calibri Light" pitchFamily="34" charset="0"/>
                   </a:rPr>
-                  <a:t>${</a:t>
-                </a:r>
-                <a:r>
-                  <a:rPr lang="pl-PL" sz="1000" dirty="0" smtClean="0">
-                    <a:latin typeface="Calibri Light" pitchFamily="34" charset="0"/>
-                    <a:cs typeface="Calibri Light" pitchFamily="34" charset="0"/>
-                  </a:rPr>
-                  <a:t>tab_6_line_3</a:t>
-                </a:r>
-                <a:r>
-                  <a:rPr lang="pl-PL" sz="1000" dirty="0" smtClean="0">
-                    <a:latin typeface="Calibri Light" pitchFamily="34" charset="0"/>
-                    <a:cs typeface="Calibri Light" pitchFamily="34" charset="0"/>
-                  </a:rPr>
-                  <a:t>}</a:t>
+                  <a:t>${tab_6_line_3}</a:t>
                 </a:r>
                 <a:endParaRPr lang="pl-PL" sz="1000" dirty="0">
                   <a:latin typeface="Calibri Light" pitchFamily="34" charset="0"/>
@@ -5474,14 +5114,7 @@
                     <a:latin typeface="Calibri Light" pitchFamily="34" charset="0"/>
                     <a:cs typeface="Calibri Light" pitchFamily="34" charset="0"/>
                   </a:rPr>
-                  <a:t>${tab_7_line_1</a:t>
-                </a:r>
-                <a:r>
-                  <a:rPr lang="pl-PL" sz="1000" dirty="0" smtClean="0">
-                    <a:latin typeface="Calibri Light" pitchFamily="34" charset="0"/>
-                    <a:cs typeface="Calibri Light" pitchFamily="34" charset="0"/>
-                  </a:rPr>
-                  <a:t>}</a:t>
+                  <a:t>${tab_7_line_1}</a:t>
                 </a:r>
               </a:p>
               <a:p>
@@ -5490,21 +5123,7 @@
                     <a:latin typeface="Calibri Light" pitchFamily="34" charset="0"/>
                     <a:cs typeface="Calibri Light" pitchFamily="34" charset="0"/>
                   </a:rPr>
-                  <a:t>${</a:t>
-                </a:r>
-                <a:r>
-                  <a:rPr lang="pl-PL" sz="1000" dirty="0" smtClean="0">
-                    <a:latin typeface="Calibri Light" pitchFamily="34" charset="0"/>
-                    <a:cs typeface="Calibri Light" pitchFamily="34" charset="0"/>
-                  </a:rPr>
-                  <a:t>tab_7_line_2</a:t>
-                </a:r>
-                <a:r>
-                  <a:rPr lang="pl-PL" sz="1000" dirty="0" smtClean="0">
-                    <a:latin typeface="Calibri Light" pitchFamily="34" charset="0"/>
-                    <a:cs typeface="Calibri Light" pitchFamily="34" charset="0"/>
-                  </a:rPr>
-                  <a:t>}</a:t>
+                  <a:t>${tab_7_line_2}</a:t>
                 </a:r>
                 <a:endParaRPr lang="en-US" sz="1000" dirty="0">
                   <a:latin typeface="Calibri Light" pitchFamily="34" charset="0"/>
@@ -5517,21 +5136,7 @@
                     <a:latin typeface="Calibri Light" pitchFamily="34" charset="0"/>
                     <a:cs typeface="Calibri Light" pitchFamily="34" charset="0"/>
                   </a:rPr>
-                  <a:t>${</a:t>
-                </a:r>
-                <a:r>
-                  <a:rPr lang="pl-PL" sz="1000" dirty="0" smtClean="0">
-                    <a:latin typeface="Calibri Light" pitchFamily="34" charset="0"/>
-                    <a:cs typeface="Calibri Light" pitchFamily="34" charset="0"/>
-                  </a:rPr>
-                  <a:t>tab_7_line_3</a:t>
-                </a:r>
-                <a:r>
-                  <a:rPr lang="pl-PL" sz="1000" dirty="0" smtClean="0">
-                    <a:latin typeface="Calibri Light" pitchFamily="34" charset="0"/>
-                    <a:cs typeface="Calibri Light" pitchFamily="34" charset="0"/>
-                  </a:rPr>
-                  <a:t>}</a:t>
+                  <a:t>${tab_7_line_3}</a:t>
                 </a:r>
                 <a:endParaRPr lang="pl-PL" sz="1000" dirty="0">
                   <a:latin typeface="Calibri Light" pitchFamily="34" charset="0"/>
@@ -5571,14 +5176,7 @@
                     <a:latin typeface="Calibri Light" pitchFamily="34" charset="0"/>
                     <a:cs typeface="Calibri Light" pitchFamily="34" charset="0"/>
                   </a:rPr>
-                  <a:t>${tab_8_line_1</a:t>
-                </a:r>
-                <a:r>
-                  <a:rPr lang="pl-PL" sz="1000" dirty="0" smtClean="0">
-                    <a:latin typeface="Calibri Light" pitchFamily="34" charset="0"/>
-                    <a:cs typeface="Calibri Light" pitchFamily="34" charset="0"/>
-                  </a:rPr>
-                  <a:t>}</a:t>
+                  <a:t>${tab_8_line_1}</a:t>
                 </a:r>
               </a:p>
               <a:p>
@@ -5587,21 +5185,7 @@
                     <a:latin typeface="Calibri Light" pitchFamily="34" charset="0"/>
                     <a:cs typeface="Calibri Light" pitchFamily="34" charset="0"/>
                   </a:rPr>
-                  <a:t>${</a:t>
-                </a:r>
-                <a:r>
-                  <a:rPr lang="pl-PL" sz="1000" dirty="0" smtClean="0">
-                    <a:latin typeface="Calibri Light" pitchFamily="34" charset="0"/>
-                    <a:cs typeface="Calibri Light" pitchFamily="34" charset="0"/>
-                  </a:rPr>
-                  <a:t>tab_8_line_2</a:t>
-                </a:r>
-                <a:r>
-                  <a:rPr lang="pl-PL" sz="1000" dirty="0" smtClean="0">
-                    <a:latin typeface="Calibri Light" pitchFamily="34" charset="0"/>
-                    <a:cs typeface="Calibri Light" pitchFamily="34" charset="0"/>
-                  </a:rPr>
-                  <a:t>}</a:t>
+                  <a:t>${tab_8_line_2}</a:t>
                 </a:r>
                 <a:endParaRPr lang="en-US" sz="1000" dirty="0">
                   <a:latin typeface="Calibri Light" pitchFamily="34" charset="0"/>
@@ -5614,21 +5198,7 @@
                     <a:latin typeface="Calibri Light" pitchFamily="34" charset="0"/>
                     <a:cs typeface="Calibri Light" pitchFamily="34" charset="0"/>
                   </a:rPr>
-                  <a:t>${</a:t>
-                </a:r>
-                <a:r>
-                  <a:rPr lang="pl-PL" sz="1000" dirty="0" smtClean="0">
-                    <a:latin typeface="Calibri Light" pitchFamily="34" charset="0"/>
-                    <a:cs typeface="Calibri Light" pitchFamily="34" charset="0"/>
-                  </a:rPr>
-                  <a:t>tab_8_line_3</a:t>
-                </a:r>
-                <a:r>
-                  <a:rPr lang="pl-PL" sz="1000" dirty="0" smtClean="0">
-                    <a:latin typeface="Calibri Light" pitchFamily="34" charset="0"/>
-                    <a:cs typeface="Calibri Light" pitchFamily="34" charset="0"/>
-                  </a:rPr>
-                  <a:t>}</a:t>
+                  <a:t>${tab_8_line_3}</a:t>
                 </a:r>
                 <a:endParaRPr lang="pl-PL" sz="1000" dirty="0">
                   <a:latin typeface="Calibri Light" pitchFamily="34" charset="0"/>
@@ -5668,14 +5238,7 @@
                     <a:latin typeface="Calibri Light" pitchFamily="34" charset="0"/>
                     <a:cs typeface="Calibri Light" pitchFamily="34" charset="0"/>
                   </a:rPr>
-                  <a:t>${tab_9_line_1</a:t>
-                </a:r>
-                <a:r>
-                  <a:rPr lang="pl-PL" sz="1000" dirty="0" smtClean="0">
-                    <a:latin typeface="Calibri Light" pitchFamily="34" charset="0"/>
-                    <a:cs typeface="Calibri Light" pitchFamily="34" charset="0"/>
-                  </a:rPr>
-                  <a:t>}</a:t>
+                  <a:t>${tab_9_line_1}</a:t>
                 </a:r>
               </a:p>
               <a:p>
@@ -5684,21 +5247,7 @@
                     <a:latin typeface="Calibri Light" pitchFamily="34" charset="0"/>
                     <a:cs typeface="Calibri Light" pitchFamily="34" charset="0"/>
                   </a:rPr>
-                  <a:t>${</a:t>
-                </a:r>
-                <a:r>
-                  <a:rPr lang="pl-PL" sz="1000" dirty="0" smtClean="0">
-                    <a:latin typeface="Calibri Light" pitchFamily="34" charset="0"/>
-                    <a:cs typeface="Calibri Light" pitchFamily="34" charset="0"/>
-                  </a:rPr>
-                  <a:t>tab_9_line_2</a:t>
-                </a:r>
-                <a:r>
-                  <a:rPr lang="pl-PL" sz="1000" dirty="0" smtClean="0">
-                    <a:latin typeface="Calibri Light" pitchFamily="34" charset="0"/>
-                    <a:cs typeface="Calibri Light" pitchFamily="34" charset="0"/>
-                  </a:rPr>
-                  <a:t>}</a:t>
+                  <a:t>${tab_9_line_2}</a:t>
                 </a:r>
                 <a:endParaRPr lang="en-US" sz="1000" dirty="0">
                   <a:latin typeface="Calibri Light" pitchFamily="34" charset="0"/>
@@ -5711,21 +5260,7 @@
                     <a:latin typeface="Calibri Light" pitchFamily="34" charset="0"/>
                     <a:cs typeface="Calibri Light" pitchFamily="34" charset="0"/>
                   </a:rPr>
-                  <a:t>${</a:t>
-                </a:r>
-                <a:r>
-                  <a:rPr lang="pl-PL" sz="1000" dirty="0" smtClean="0">
-                    <a:latin typeface="Calibri Light" pitchFamily="34" charset="0"/>
-                    <a:cs typeface="Calibri Light" pitchFamily="34" charset="0"/>
-                  </a:rPr>
-                  <a:t>tab_9_line_3</a:t>
-                </a:r>
-                <a:r>
-                  <a:rPr lang="pl-PL" sz="1000" dirty="0" smtClean="0">
-                    <a:latin typeface="Calibri Light" pitchFamily="34" charset="0"/>
-                    <a:cs typeface="Calibri Light" pitchFamily="34" charset="0"/>
-                  </a:rPr>
-                  <a:t>}</a:t>
+                  <a:t>${tab_9_line_3}</a:t>
                 </a:r>
                 <a:endParaRPr lang="pl-PL" sz="1000" dirty="0">
                   <a:latin typeface="Calibri Light" pitchFamily="34" charset="0"/>
@@ -5765,14 +5300,7 @@
                     <a:latin typeface="Calibri Light" pitchFamily="34" charset="0"/>
                     <a:cs typeface="Calibri Light" pitchFamily="34" charset="0"/>
                   </a:rPr>
-                  <a:t>${tab_10_line_1</a:t>
-                </a:r>
-                <a:r>
-                  <a:rPr lang="pl-PL" sz="1000" dirty="0" smtClean="0">
-                    <a:latin typeface="Calibri Light" pitchFamily="34" charset="0"/>
-                    <a:cs typeface="Calibri Light" pitchFamily="34" charset="0"/>
-                  </a:rPr>
-                  <a:t>}</a:t>
+                  <a:t>${tab_10_line_1}</a:t>
                 </a:r>
               </a:p>
               <a:p>
@@ -5781,21 +5309,7 @@
                     <a:latin typeface="Calibri Light" pitchFamily="34" charset="0"/>
                     <a:cs typeface="Calibri Light" pitchFamily="34" charset="0"/>
                   </a:rPr>
-                  <a:t>${</a:t>
-                </a:r>
-                <a:r>
-                  <a:rPr lang="pl-PL" sz="1000" dirty="0" smtClean="0">
-                    <a:latin typeface="Calibri Light" pitchFamily="34" charset="0"/>
-                    <a:cs typeface="Calibri Light" pitchFamily="34" charset="0"/>
-                  </a:rPr>
-                  <a:t>tab_10_line_2</a:t>
-                </a:r>
-                <a:r>
-                  <a:rPr lang="pl-PL" sz="1000" dirty="0" smtClean="0">
-                    <a:latin typeface="Calibri Light" pitchFamily="34" charset="0"/>
-                    <a:cs typeface="Calibri Light" pitchFamily="34" charset="0"/>
-                  </a:rPr>
-                  <a:t>}</a:t>
+                  <a:t>${tab_10_line_2}</a:t>
                 </a:r>
                 <a:endParaRPr lang="en-US" sz="1000" dirty="0">
                   <a:latin typeface="Calibri Light" pitchFamily="34" charset="0"/>
@@ -5808,21 +5322,7 @@
                     <a:latin typeface="Calibri Light" pitchFamily="34" charset="0"/>
                     <a:cs typeface="Calibri Light" pitchFamily="34" charset="0"/>
                   </a:rPr>
-                  <a:t>${</a:t>
-                </a:r>
-                <a:r>
-                  <a:rPr lang="pl-PL" sz="1000" dirty="0" smtClean="0">
-                    <a:latin typeface="Calibri Light" pitchFamily="34" charset="0"/>
-                    <a:cs typeface="Calibri Light" pitchFamily="34" charset="0"/>
-                  </a:rPr>
-                  <a:t>tab_10_line_3</a:t>
-                </a:r>
-                <a:r>
-                  <a:rPr lang="pl-PL" sz="1000" dirty="0" smtClean="0">
-                    <a:latin typeface="Calibri Light" pitchFamily="34" charset="0"/>
-                    <a:cs typeface="Calibri Light" pitchFamily="34" charset="0"/>
-                  </a:rPr>
-                  <a:t>}</a:t>
+                  <a:t>${tab_10_line_3}</a:t>
                 </a:r>
                 <a:endParaRPr lang="pl-PL" sz="1000" dirty="0">
                   <a:latin typeface="Calibri Light" pitchFamily="34" charset="0"/>

--- a/pptx/flyer-letter-portrait-duplex.pptx
+++ b/pptx/flyer-letter-portrait-duplex.pptx
@@ -12,7 +12,7 @@
     <p:sldId id="258" r:id="rId3"/>
   </p:sldIdLst>
   <p:sldSz cx="7315200" cy="9601200"/>
-  <p:notesSz cx="7010400" cy="9296400"/>
+  <p:notesSz cx="6797675" cy="9926638"/>
   <p:defaultTextStyle>
     <a:defPPr>
       <a:defRPr lang="en-US"/>
@@ -146,7 +146,7 @@
         <p:spPr>
           <a:xfrm>
             <a:off x="0" y="0"/>
-            <a:ext cx="3038475" cy="465138"/>
+            <a:ext cx="2946275" cy="496671"/>
           </a:xfrm>
           <a:prstGeom prst="rect">
             <a:avLst/>
@@ -176,8 +176,8 @@
         </p:nvSpPr>
         <p:spPr>
           <a:xfrm>
-            <a:off x="3970338" y="0"/>
-            <a:ext cx="3038475" cy="465138"/>
+            <a:off x="3849862" y="0"/>
+            <a:ext cx="2946275" cy="496671"/>
           </a:xfrm>
           <a:prstGeom prst="rect">
             <a:avLst/>
@@ -194,7 +194,7 @@
             <a:fld id="{232C0B16-DDAA-4853-B3F8-67F4854F2122}" type="datetimeFigureOut">
               <a:rPr lang="en-US" smtClean="0"/>
               <a:pPr/>
-              <a:t>3/18/2023</a:t>
+              <a:t>3/23/2023</a:t>
             </a:fld>
             <a:endParaRPr lang="en-US"/>
           </a:p>
@@ -212,8 +212,8 @@
         </p:nvSpPr>
         <p:spPr>
           <a:xfrm>
-            <a:off x="2176463" y="696913"/>
-            <a:ext cx="2657475" cy="3486150"/>
+            <a:off x="1981200" y="744538"/>
+            <a:ext cx="2835275" cy="3722687"/>
           </a:xfrm>
           <a:prstGeom prst="rect">
             <a:avLst/>
@@ -245,8 +245,8 @@
         </p:nvSpPr>
         <p:spPr>
           <a:xfrm>
-            <a:off x="701675" y="4416425"/>
-            <a:ext cx="5607050" cy="4183063"/>
+            <a:off x="680383" y="4715831"/>
+            <a:ext cx="5436909" cy="4466649"/>
           </a:xfrm>
           <a:prstGeom prst="rect">
             <a:avLst/>
@@ -307,8 +307,8 @@
         </p:nvSpPr>
         <p:spPr>
           <a:xfrm>
-            <a:off x="0" y="8829675"/>
-            <a:ext cx="3038475" cy="465138"/>
+            <a:off x="0" y="9428272"/>
+            <a:ext cx="2946275" cy="496671"/>
           </a:xfrm>
           <a:prstGeom prst="rect">
             <a:avLst/>
@@ -338,8 +338,8 @@
         </p:nvSpPr>
         <p:spPr>
           <a:xfrm>
-            <a:off x="3970338" y="8829675"/>
-            <a:ext cx="3038475" cy="465138"/>
+            <a:off x="3849862" y="9428272"/>
+            <a:ext cx="2946275" cy="496671"/>
           </a:xfrm>
           <a:prstGeom prst="rect">
             <a:avLst/>
@@ -806,7 +806,7 @@
             <a:fld id="{FFAEE2A6-3326-4110-86FD-7999FAF84882}" type="datetimeFigureOut">
               <a:rPr lang="en-US" smtClean="0"/>
               <a:pPr/>
-              <a:t>3/18/2023</a:t>
+              <a:t>3/23/2023</a:t>
             </a:fld>
             <a:endParaRPr lang="en-US"/>
           </a:p>
@@ -973,7 +973,7 @@
             <a:fld id="{FFAEE2A6-3326-4110-86FD-7999FAF84882}" type="datetimeFigureOut">
               <a:rPr lang="en-US" smtClean="0"/>
               <a:pPr/>
-              <a:t>3/18/2023</a:t>
+              <a:t>3/23/2023</a:t>
             </a:fld>
             <a:endParaRPr lang="en-US"/>
           </a:p>
@@ -1150,7 +1150,7 @@
             <a:fld id="{FFAEE2A6-3326-4110-86FD-7999FAF84882}" type="datetimeFigureOut">
               <a:rPr lang="en-US" smtClean="0"/>
               <a:pPr/>
-              <a:t>3/18/2023</a:t>
+              <a:t>3/23/2023</a:t>
             </a:fld>
             <a:endParaRPr lang="en-US"/>
           </a:p>
@@ -1317,7 +1317,7 @@
             <a:fld id="{FFAEE2A6-3326-4110-86FD-7999FAF84882}" type="datetimeFigureOut">
               <a:rPr lang="en-US" smtClean="0"/>
               <a:pPr/>
-              <a:t>3/18/2023</a:t>
+              <a:t>3/23/2023</a:t>
             </a:fld>
             <a:endParaRPr lang="en-US"/>
           </a:p>
@@ -1560,7 +1560,7 @@
             <a:fld id="{FFAEE2A6-3326-4110-86FD-7999FAF84882}" type="datetimeFigureOut">
               <a:rPr lang="en-US" smtClean="0"/>
               <a:pPr/>
-              <a:t>3/18/2023</a:t>
+              <a:t>3/23/2023</a:t>
             </a:fld>
             <a:endParaRPr lang="en-US"/>
           </a:p>
@@ -1845,7 +1845,7 @@
             <a:fld id="{FFAEE2A6-3326-4110-86FD-7999FAF84882}" type="datetimeFigureOut">
               <a:rPr lang="en-US" smtClean="0"/>
               <a:pPr/>
-              <a:t>3/18/2023</a:t>
+              <a:t>3/23/2023</a:t>
             </a:fld>
             <a:endParaRPr lang="en-US"/>
           </a:p>
@@ -2264,7 +2264,7 @@
             <a:fld id="{FFAEE2A6-3326-4110-86FD-7999FAF84882}" type="datetimeFigureOut">
               <a:rPr lang="en-US" smtClean="0"/>
               <a:pPr/>
-              <a:t>3/18/2023</a:t>
+              <a:t>3/23/2023</a:t>
             </a:fld>
             <a:endParaRPr lang="en-US"/>
           </a:p>
@@ -2379,7 +2379,7 @@
             <a:fld id="{FFAEE2A6-3326-4110-86FD-7999FAF84882}" type="datetimeFigureOut">
               <a:rPr lang="en-US" smtClean="0"/>
               <a:pPr/>
-              <a:t>3/18/2023</a:t>
+              <a:t>3/23/2023</a:t>
             </a:fld>
             <a:endParaRPr lang="en-US"/>
           </a:p>
@@ -2471,7 +2471,7 @@
             <a:fld id="{FFAEE2A6-3326-4110-86FD-7999FAF84882}" type="datetimeFigureOut">
               <a:rPr lang="en-US" smtClean="0"/>
               <a:pPr/>
-              <a:t>3/18/2023</a:t>
+              <a:t>3/23/2023</a:t>
             </a:fld>
             <a:endParaRPr lang="en-US"/>
           </a:p>
@@ -2745,7 +2745,7 @@
             <a:fld id="{FFAEE2A6-3326-4110-86FD-7999FAF84882}" type="datetimeFigureOut">
               <a:rPr lang="en-US" smtClean="0"/>
               <a:pPr/>
-              <a:t>3/18/2023</a:t>
+              <a:t>3/23/2023</a:t>
             </a:fld>
             <a:endParaRPr lang="en-US"/>
           </a:p>
@@ -2995,7 +2995,7 @@
             <a:fld id="{FFAEE2A6-3326-4110-86FD-7999FAF84882}" type="datetimeFigureOut">
               <a:rPr lang="en-US" smtClean="0"/>
               <a:pPr/>
-              <a:t>3/18/2023</a:t>
+              <a:t>3/23/2023</a:t>
             </a:fld>
             <a:endParaRPr lang="en-US"/>
           </a:p>
@@ -3205,7 +3205,7 @@
             <a:fld id="{FFAEE2A6-3326-4110-86FD-7999FAF84882}" type="datetimeFigureOut">
               <a:rPr lang="en-US" smtClean="0"/>
               <a:pPr/>
-              <a:t>3/18/2023</a:t>
+              <a:t>3/23/2023</a:t>
             </a:fld>
             <a:endParaRPr lang="en-US"/>
           </a:p>
@@ -3697,18 +3697,6 @@
                   </a:rPr>
                   <a:t>${tab_10_heading}</a:t>
                 </a:r>
-                <a:endParaRPr lang="pl-PL" sz="1000" dirty="0" smtClean="0">
-                  <a:uFill>
-                    <a:solidFill>
-                      <a:schemeClr val="tx1">
-                        <a:lumMod val="50000"/>
-                        <a:lumOff val="50000"/>
-                      </a:schemeClr>
-                    </a:solidFill>
-                  </a:uFill>
-                  <a:latin typeface="Calibri Light" pitchFamily="34" charset="0"/>
-                  <a:cs typeface="Calibri Light" pitchFamily="34" charset="0"/>
-                </a:endParaRPr>
               </a:p>
             </p:txBody>
           </p:sp>
@@ -3753,18 +3741,6 @@
                   </a:rPr>
                   <a:t>${tab_9_heading}</a:t>
                 </a:r>
-                <a:endParaRPr lang="pl-PL" sz="1000" dirty="0" smtClean="0">
-                  <a:uFill>
-                    <a:solidFill>
-                      <a:schemeClr val="tx1">
-                        <a:lumMod val="50000"/>
-                        <a:lumOff val="50000"/>
-                      </a:schemeClr>
-                    </a:solidFill>
-                  </a:uFill>
-                  <a:latin typeface="Calibri Light" pitchFamily="34" charset="0"/>
-                  <a:cs typeface="Calibri Light" pitchFamily="34" charset="0"/>
-                </a:endParaRPr>
               </a:p>
             </p:txBody>
           </p:sp>
@@ -3809,18 +3785,6 @@
                   </a:rPr>
                   <a:t>${tab_8_heading}</a:t>
                 </a:r>
-                <a:endParaRPr lang="pl-PL" sz="1000" dirty="0" smtClean="0">
-                  <a:uFill>
-                    <a:solidFill>
-                      <a:schemeClr val="tx1">
-                        <a:lumMod val="50000"/>
-                        <a:lumOff val="50000"/>
-                      </a:schemeClr>
-                    </a:solidFill>
-                  </a:uFill>
-                  <a:latin typeface="Calibri Light" pitchFamily="34" charset="0"/>
-                  <a:cs typeface="Calibri Light" pitchFamily="34" charset="0"/>
-                </a:endParaRPr>
               </a:p>
             </p:txBody>
           </p:sp>
@@ -3865,18 +3829,6 @@
                   </a:rPr>
                   <a:t>${tab_7_heading}</a:t>
                 </a:r>
-                <a:endParaRPr lang="pl-PL" sz="1000" dirty="0" smtClean="0">
-                  <a:uFill>
-                    <a:solidFill>
-                      <a:schemeClr val="tx1">
-                        <a:lumMod val="50000"/>
-                        <a:lumOff val="50000"/>
-                      </a:schemeClr>
-                    </a:solidFill>
-                  </a:uFill>
-                  <a:latin typeface="Calibri Light" pitchFamily="34" charset="0"/>
-                  <a:cs typeface="Calibri Light" pitchFamily="34" charset="0"/>
-                </a:endParaRPr>
               </a:p>
             </p:txBody>
           </p:sp>
@@ -3921,18 +3873,6 @@
                   </a:rPr>
                   <a:t>${tab_6_heading}</a:t>
                 </a:r>
-                <a:endParaRPr lang="pl-PL" sz="1000" dirty="0" smtClean="0">
-                  <a:uFill>
-                    <a:solidFill>
-                      <a:schemeClr val="tx1">
-                        <a:lumMod val="50000"/>
-                        <a:lumOff val="50000"/>
-                      </a:schemeClr>
-                    </a:solidFill>
-                  </a:uFill>
-                  <a:latin typeface="Calibri Light" pitchFamily="34" charset="0"/>
-                  <a:cs typeface="Calibri Light" pitchFamily="34" charset="0"/>
-                </a:endParaRPr>
               </a:p>
             </p:txBody>
           </p:sp>
@@ -3977,18 +3917,6 @@
                   </a:rPr>
                   <a:t>${tab_5_heading}</a:t>
                 </a:r>
-                <a:endParaRPr lang="pl-PL" sz="1000" dirty="0" smtClean="0">
-                  <a:uFill>
-                    <a:solidFill>
-                      <a:schemeClr val="tx1">
-                        <a:lumMod val="50000"/>
-                        <a:lumOff val="50000"/>
-                      </a:schemeClr>
-                    </a:solidFill>
-                  </a:uFill>
-                  <a:latin typeface="Calibri Light" pitchFamily="34" charset="0"/>
-                  <a:cs typeface="Calibri Light" pitchFamily="34" charset="0"/>
-                </a:endParaRPr>
               </a:p>
             </p:txBody>
           </p:sp>
@@ -4033,18 +3961,6 @@
                   </a:rPr>
                   <a:t>${tab_4_heading}</a:t>
                 </a:r>
-                <a:endParaRPr lang="pl-PL" sz="1000" dirty="0" smtClean="0">
-                  <a:uFill>
-                    <a:solidFill>
-                      <a:schemeClr val="tx1">
-                        <a:lumMod val="50000"/>
-                        <a:lumOff val="50000"/>
-                      </a:schemeClr>
-                    </a:solidFill>
-                  </a:uFill>
-                  <a:latin typeface="Calibri Light" pitchFamily="34" charset="0"/>
-                  <a:cs typeface="Calibri Light" pitchFamily="34" charset="0"/>
-                </a:endParaRPr>
               </a:p>
             </p:txBody>
           </p:sp>
@@ -4089,18 +4005,6 @@
                   </a:rPr>
                   <a:t>${tab_3_heading}</a:t>
                 </a:r>
-                <a:endParaRPr lang="pl-PL" sz="1000" dirty="0" smtClean="0">
-                  <a:uFill>
-                    <a:solidFill>
-                      <a:schemeClr val="tx1">
-                        <a:lumMod val="50000"/>
-                        <a:lumOff val="50000"/>
-                      </a:schemeClr>
-                    </a:solidFill>
-                  </a:uFill>
-                  <a:latin typeface="Calibri Light" pitchFamily="34" charset="0"/>
-                  <a:cs typeface="Calibri Light" pitchFamily="34" charset="0"/>
-                </a:endParaRPr>
               </a:p>
             </p:txBody>
           </p:sp>
@@ -4145,18 +4049,6 @@
                   </a:rPr>
                   <a:t>${tab_2_heading}</a:t>
                 </a:r>
-                <a:endParaRPr lang="pl-PL" sz="1000" dirty="0" smtClean="0">
-                  <a:uFill>
-                    <a:solidFill>
-                      <a:schemeClr val="tx1">
-                        <a:lumMod val="50000"/>
-                        <a:lumOff val="50000"/>
-                      </a:schemeClr>
-                    </a:solidFill>
-                  </a:uFill>
-                  <a:latin typeface="Calibri Light" pitchFamily="34" charset="0"/>
-                  <a:cs typeface="Calibri Light" pitchFamily="34" charset="0"/>
-                </a:endParaRPr>
               </a:p>
             </p:txBody>
           </p:sp>

--- a/pptx/flyer-letter-portrait-duplex.pptx
+++ b/pptx/flyer-letter-portrait-duplex.pptx
@@ -194,7 +194,7 @@
             <a:fld id="{232C0B16-DDAA-4853-B3F8-67F4854F2122}" type="datetimeFigureOut">
               <a:rPr lang="en-US" smtClean="0"/>
               <a:pPr/>
-              <a:t>3/23/2023</a:t>
+              <a:t>4/4/2023</a:t>
             </a:fld>
             <a:endParaRPr lang="en-US"/>
           </a:p>
@@ -806,7 +806,7 @@
             <a:fld id="{FFAEE2A6-3326-4110-86FD-7999FAF84882}" type="datetimeFigureOut">
               <a:rPr lang="en-US" smtClean="0"/>
               <a:pPr/>
-              <a:t>3/23/2023</a:t>
+              <a:t>4/4/2023</a:t>
             </a:fld>
             <a:endParaRPr lang="en-US"/>
           </a:p>
@@ -973,7 +973,7 @@
             <a:fld id="{FFAEE2A6-3326-4110-86FD-7999FAF84882}" type="datetimeFigureOut">
               <a:rPr lang="en-US" smtClean="0"/>
               <a:pPr/>
-              <a:t>3/23/2023</a:t>
+              <a:t>4/4/2023</a:t>
             </a:fld>
             <a:endParaRPr lang="en-US"/>
           </a:p>
@@ -1150,7 +1150,7 @@
             <a:fld id="{FFAEE2A6-3326-4110-86FD-7999FAF84882}" type="datetimeFigureOut">
               <a:rPr lang="en-US" smtClean="0"/>
               <a:pPr/>
-              <a:t>3/23/2023</a:t>
+              <a:t>4/4/2023</a:t>
             </a:fld>
             <a:endParaRPr lang="en-US"/>
           </a:p>
@@ -1317,7 +1317,7 @@
             <a:fld id="{FFAEE2A6-3326-4110-86FD-7999FAF84882}" type="datetimeFigureOut">
               <a:rPr lang="en-US" smtClean="0"/>
               <a:pPr/>
-              <a:t>3/23/2023</a:t>
+              <a:t>4/4/2023</a:t>
             </a:fld>
             <a:endParaRPr lang="en-US"/>
           </a:p>
@@ -1560,7 +1560,7 @@
             <a:fld id="{FFAEE2A6-3326-4110-86FD-7999FAF84882}" type="datetimeFigureOut">
               <a:rPr lang="en-US" smtClean="0"/>
               <a:pPr/>
-              <a:t>3/23/2023</a:t>
+              <a:t>4/4/2023</a:t>
             </a:fld>
             <a:endParaRPr lang="en-US"/>
           </a:p>
@@ -1845,7 +1845,7 @@
             <a:fld id="{FFAEE2A6-3326-4110-86FD-7999FAF84882}" type="datetimeFigureOut">
               <a:rPr lang="en-US" smtClean="0"/>
               <a:pPr/>
-              <a:t>3/23/2023</a:t>
+              <a:t>4/4/2023</a:t>
             </a:fld>
             <a:endParaRPr lang="en-US"/>
           </a:p>
@@ -2264,7 +2264,7 @@
             <a:fld id="{FFAEE2A6-3326-4110-86FD-7999FAF84882}" type="datetimeFigureOut">
               <a:rPr lang="en-US" smtClean="0"/>
               <a:pPr/>
-              <a:t>3/23/2023</a:t>
+              <a:t>4/4/2023</a:t>
             </a:fld>
             <a:endParaRPr lang="en-US"/>
           </a:p>
@@ -2379,7 +2379,7 @@
             <a:fld id="{FFAEE2A6-3326-4110-86FD-7999FAF84882}" type="datetimeFigureOut">
               <a:rPr lang="en-US" smtClean="0"/>
               <a:pPr/>
-              <a:t>3/23/2023</a:t>
+              <a:t>4/4/2023</a:t>
             </a:fld>
             <a:endParaRPr lang="en-US"/>
           </a:p>
@@ -2471,7 +2471,7 @@
             <a:fld id="{FFAEE2A6-3326-4110-86FD-7999FAF84882}" type="datetimeFigureOut">
               <a:rPr lang="en-US" smtClean="0"/>
               <a:pPr/>
-              <a:t>3/23/2023</a:t>
+              <a:t>4/4/2023</a:t>
             </a:fld>
             <a:endParaRPr lang="en-US"/>
           </a:p>
@@ -2745,7 +2745,7 @@
             <a:fld id="{FFAEE2A6-3326-4110-86FD-7999FAF84882}" type="datetimeFigureOut">
               <a:rPr lang="en-US" smtClean="0"/>
               <a:pPr/>
-              <a:t>3/23/2023</a:t>
+              <a:t>4/4/2023</a:t>
             </a:fld>
             <a:endParaRPr lang="en-US"/>
           </a:p>
@@ -2995,7 +2995,7 @@
             <a:fld id="{FFAEE2A6-3326-4110-86FD-7999FAF84882}" type="datetimeFigureOut">
               <a:rPr lang="en-US" smtClean="0"/>
               <a:pPr/>
-              <a:t>3/23/2023</a:t>
+              <a:t>4/4/2023</a:t>
             </a:fld>
             <a:endParaRPr lang="en-US"/>
           </a:p>
@@ -3205,7 +3205,7 @@
             <a:fld id="{FFAEE2A6-3326-4110-86FD-7999FAF84882}" type="datetimeFigureOut">
               <a:rPr lang="en-US" smtClean="0"/>
               <a:pPr/>
-              <a:t>3/23/2023</a:t>
+              <a:t>4/4/2023</a:t>
             </a:fld>
             <a:endParaRPr lang="en-US"/>
           </a:p>
@@ -3677,7 +3677,7 @@
               </a:ln>
             </p:spPr>
             <p:txBody>
-              <a:bodyPr vert="vert" wrap="none" lIns="45720" tIns="182880" rIns="45720" bIns="0" rtlCol="0" anchor="ctr" anchorCtr="0">
+              <a:bodyPr vert="vert" wrap="none" lIns="45720" tIns="274320" rIns="45720" bIns="0" rtlCol="0" anchor="ctr" anchorCtr="0">
                 <a:normAutofit/>
               </a:bodyPr>
               <a:lstStyle/>
@@ -3721,7 +3721,7 @@
               </a:ln>
             </p:spPr>
             <p:txBody>
-              <a:bodyPr vert="vert" wrap="none" lIns="45720" tIns="182880" rIns="45720" bIns="0" rtlCol="0" anchor="ctr" anchorCtr="0">
+              <a:bodyPr vert="vert" wrap="none" lIns="45720" tIns="274320" rIns="45720" bIns="0" rtlCol="0" anchor="ctr" anchorCtr="0">
                 <a:normAutofit/>
               </a:bodyPr>
               <a:lstStyle/>
@@ -3765,7 +3765,7 @@
               </a:ln>
             </p:spPr>
             <p:txBody>
-              <a:bodyPr vert="vert" wrap="none" lIns="45720" tIns="182880" rIns="45720" bIns="0" rtlCol="0" anchor="ctr" anchorCtr="0">
+              <a:bodyPr vert="vert" wrap="none" lIns="45720" tIns="274320" rIns="45720" bIns="0" rtlCol="0" anchor="ctr" anchorCtr="0">
                 <a:normAutofit/>
               </a:bodyPr>
               <a:lstStyle/>
@@ -3809,7 +3809,7 @@
               </a:ln>
             </p:spPr>
             <p:txBody>
-              <a:bodyPr vert="vert" wrap="none" lIns="45720" tIns="182880" rIns="45720" bIns="0" rtlCol="0" anchor="ctr" anchorCtr="0">
+              <a:bodyPr vert="vert" wrap="none" lIns="45720" tIns="274320" rIns="45720" bIns="0" rtlCol="0" anchor="ctr" anchorCtr="0">
                 <a:normAutofit/>
               </a:bodyPr>
               <a:lstStyle/>
@@ -3853,7 +3853,7 @@
               </a:ln>
             </p:spPr>
             <p:txBody>
-              <a:bodyPr vert="vert" wrap="none" lIns="45720" tIns="182880" rIns="45720" bIns="0" rtlCol="0" anchor="ctr" anchorCtr="0">
+              <a:bodyPr vert="vert" wrap="none" lIns="45720" tIns="274320" rIns="45720" bIns="0" rtlCol="0" anchor="ctr" anchorCtr="0">
                 <a:normAutofit/>
               </a:bodyPr>
               <a:lstStyle/>
@@ -3897,7 +3897,7 @@
               </a:ln>
             </p:spPr>
             <p:txBody>
-              <a:bodyPr vert="vert" wrap="none" lIns="45720" tIns="182880" rIns="45720" bIns="0" rtlCol="0" anchor="ctr" anchorCtr="0">
+              <a:bodyPr vert="vert" wrap="none" lIns="45720" tIns="274320" rIns="45720" bIns="0" rtlCol="0" anchor="ctr" anchorCtr="0">
                 <a:normAutofit/>
               </a:bodyPr>
               <a:lstStyle/>
@@ -3941,7 +3941,7 @@
               </a:ln>
             </p:spPr>
             <p:txBody>
-              <a:bodyPr vert="vert" wrap="none" lIns="45720" tIns="182880" rIns="45720" bIns="0" rtlCol="0" anchor="ctr" anchorCtr="0">
+              <a:bodyPr vert="vert" wrap="none" lIns="45720" tIns="274320" rIns="45720" bIns="0" rtlCol="0" anchor="ctr" anchorCtr="0">
                 <a:normAutofit/>
               </a:bodyPr>
               <a:lstStyle/>
@@ -3985,7 +3985,7 @@
               </a:ln>
             </p:spPr>
             <p:txBody>
-              <a:bodyPr vert="vert" wrap="none" lIns="45720" tIns="182880" rIns="45720" bIns="0" rtlCol="0" anchor="ctr" anchorCtr="0">
+              <a:bodyPr vert="vert" wrap="none" lIns="45720" tIns="274320" rIns="45720" bIns="0" rtlCol="0" anchor="ctr" anchorCtr="0">
                 <a:normAutofit/>
               </a:bodyPr>
               <a:lstStyle/>
@@ -4029,7 +4029,7 @@
               </a:ln>
             </p:spPr>
             <p:txBody>
-              <a:bodyPr vert="vert" wrap="none" lIns="45720" tIns="182880" rIns="45720" bIns="0" rtlCol="0" anchor="ctr" anchorCtr="0">
+              <a:bodyPr vert="vert" wrap="none" lIns="45720" tIns="274320" rIns="45720" bIns="0" rtlCol="0" anchor="ctr" anchorCtr="0">
                 <a:normAutofit/>
               </a:bodyPr>
               <a:lstStyle/>
@@ -4073,7 +4073,7 @@
               </a:ln>
             </p:spPr>
             <p:txBody>
-              <a:bodyPr vert="vert" wrap="none" lIns="45720" tIns="182880" rIns="45720" bIns="0" rtlCol="0" anchor="ctr" anchorCtr="0">
+              <a:bodyPr vert="vert" wrap="none" lIns="45720" tIns="274320" rIns="45720" bIns="0" rtlCol="0" anchor="ctr" anchorCtr="0">
                 <a:normAutofit/>
               </a:bodyPr>
               <a:lstStyle/>
@@ -4624,7 +4624,7 @@
               </a:ln>
             </p:spPr>
             <p:txBody>
-              <a:bodyPr vert="vert" wrap="none" lIns="45720" tIns="182880" rIns="45720" bIns="0" rtlCol="0" anchor="ctr" anchorCtr="0">
+              <a:bodyPr vert="vert" wrap="none" lIns="45720" tIns="274320" rIns="45720" bIns="0" rtlCol="0" anchor="ctr" anchorCtr="0">
                 <a:normAutofit/>
               </a:bodyPr>
               <a:lstStyle/>
@@ -4686,7 +4686,7 @@
               </a:ln>
             </p:spPr>
             <p:txBody>
-              <a:bodyPr vert="vert" wrap="none" lIns="45720" tIns="182880" rIns="45720" bIns="0" rtlCol="0" anchor="ctr" anchorCtr="0">
+              <a:bodyPr vert="vert" wrap="none" lIns="45720" tIns="274320" rIns="45720" bIns="0" rtlCol="0" anchor="ctr" anchorCtr="0">
                 <a:normAutofit/>
               </a:bodyPr>
               <a:lstStyle/>
@@ -4748,7 +4748,7 @@
               </a:ln>
             </p:spPr>
             <p:txBody>
-              <a:bodyPr vert="vert" wrap="none" lIns="45720" tIns="182880" rIns="45720" bIns="0" rtlCol="0" anchor="ctr" anchorCtr="0">
+              <a:bodyPr vert="vert" wrap="none" lIns="45720" tIns="274320" rIns="45720" bIns="0" rtlCol="0" anchor="ctr" anchorCtr="0">
                 <a:normAutofit/>
               </a:bodyPr>
               <a:lstStyle/>
@@ -4810,7 +4810,7 @@
               </a:ln>
             </p:spPr>
             <p:txBody>
-              <a:bodyPr vert="vert" wrap="none" lIns="45720" tIns="182880" rIns="45720" bIns="0" rtlCol="0" anchor="ctr" anchorCtr="0">
+              <a:bodyPr vert="vert" wrap="none" lIns="45720" tIns="274320" rIns="45720" bIns="0" rtlCol="0" anchor="ctr" anchorCtr="0">
                 <a:normAutofit/>
               </a:bodyPr>
               <a:lstStyle/>
@@ -4872,7 +4872,7 @@
               </a:ln>
             </p:spPr>
             <p:txBody>
-              <a:bodyPr vert="vert" wrap="none" lIns="45720" tIns="182880" rIns="45720" bIns="0" rtlCol="0" anchor="ctr" anchorCtr="0">
+              <a:bodyPr vert="vert" wrap="none" lIns="45720" tIns="274320" rIns="45720" bIns="0" rtlCol="0" anchor="ctr" anchorCtr="0">
                 <a:normAutofit/>
               </a:bodyPr>
               <a:lstStyle/>
@@ -4934,7 +4934,7 @@
               </a:ln>
             </p:spPr>
             <p:txBody>
-              <a:bodyPr vert="vert" wrap="none" lIns="45720" tIns="182880" rIns="45720" bIns="0" rtlCol="0" anchor="ctr" anchorCtr="0">
+              <a:bodyPr vert="vert" wrap="none" lIns="45720" tIns="274320" rIns="45720" bIns="0" rtlCol="0" anchor="ctr" anchorCtr="0">
                 <a:normAutofit/>
               </a:bodyPr>
               <a:lstStyle/>
@@ -4996,7 +4996,7 @@
               </a:ln>
             </p:spPr>
             <p:txBody>
-              <a:bodyPr vert="vert" wrap="none" lIns="45720" tIns="182880" rIns="45720" bIns="0" rtlCol="0" anchor="ctr" anchorCtr="0">
+              <a:bodyPr vert="vert" wrap="none" lIns="45720" tIns="274320" rIns="45720" bIns="0" rtlCol="0" anchor="ctr" anchorCtr="0">
                 <a:normAutofit/>
               </a:bodyPr>
               <a:lstStyle/>
@@ -5058,7 +5058,7 @@
               </a:ln>
             </p:spPr>
             <p:txBody>
-              <a:bodyPr vert="vert" wrap="none" lIns="45720" tIns="182880" rIns="45720" bIns="0" rtlCol="0" anchor="ctr" anchorCtr="0">
+              <a:bodyPr vert="vert" wrap="none" lIns="45720" tIns="274320" rIns="45720" bIns="0" rtlCol="0" anchor="ctr" anchorCtr="0">
                 <a:normAutofit/>
               </a:bodyPr>
               <a:lstStyle/>
@@ -5120,7 +5120,7 @@
               </a:ln>
             </p:spPr>
             <p:txBody>
-              <a:bodyPr vert="vert" wrap="none" lIns="45720" tIns="182880" rIns="45720" bIns="0" rtlCol="0" anchor="ctr" anchorCtr="0">
+              <a:bodyPr vert="vert" wrap="none" lIns="45720" tIns="274320" rIns="45720" bIns="0" rtlCol="0" anchor="ctr" anchorCtr="0">
                 <a:normAutofit/>
               </a:bodyPr>
               <a:lstStyle/>
@@ -5182,7 +5182,7 @@
               </a:ln>
             </p:spPr>
             <p:txBody>
-              <a:bodyPr vert="vert" wrap="none" lIns="45720" tIns="182880" rIns="45720" bIns="0" rtlCol="0" anchor="ctr" anchorCtr="0">
+              <a:bodyPr vert="vert" wrap="none" lIns="45720" tIns="274320" rIns="45720" bIns="0" rtlCol="0" anchor="ctr" anchorCtr="0">
                 <a:normAutofit/>
               </a:bodyPr>
               <a:lstStyle/>
